--- a/103 - Python & SQL/103 - Python & SQL.pptx
+++ b/103 - Python & SQL/103 - Python & SQL.pptx
@@ -204,7 +204,7 @@
           <a:p>
             <a:fld id="{A3A8C8F4-CD58-E940-8A51-A89BC67DB5FA}" type="datetimeFigureOut">
               <a:rPr lang="en-GB" smtClean="0"/>
-              <a:t>23/11/2020</a:t>
+              <a:t>07/01/2021</a:t>
             </a:fld>
             <a:endParaRPr lang="en-GB"/>
           </a:p>
@@ -2905,7 +2905,7 @@
           <a:p>
             <a:fld id="{3C04E684-10F4-4CC3-A0B9-F03AA7BE37CF}" type="datetimeFigureOut">
               <a:rPr lang="en-US" smtClean="0"/>
-              <a:t>11/23/20</a:t>
+              <a:t>1/7/21</a:t>
             </a:fld>
             <a:endParaRPr lang="en-US"/>
           </a:p>
@@ -5395,7 +5395,7 @@
           <a:p>
             <a:fld id="{3C04E684-10F4-4CC3-A0B9-F03AA7BE37CF}" type="datetimeFigureOut">
               <a:rPr lang="en-US" smtClean="0"/>
-              <a:t>11/23/20</a:t>
+              <a:t>1/7/21</a:t>
             </a:fld>
             <a:endParaRPr lang="en-US"/>
           </a:p>
@@ -5593,7 +5593,7 @@
           <a:p>
             <a:fld id="{3C04E684-10F4-4CC3-A0B9-F03AA7BE37CF}" type="datetimeFigureOut">
               <a:rPr lang="en-US" smtClean="0"/>
-              <a:t>11/23/20</a:t>
+              <a:t>1/7/21</a:t>
             </a:fld>
             <a:endParaRPr lang="en-US"/>
           </a:p>
@@ -5801,7 +5801,7 @@
           <a:p>
             <a:fld id="{3C04E684-10F4-4CC3-A0B9-F03AA7BE37CF}" type="datetimeFigureOut">
               <a:rPr lang="en-US" smtClean="0"/>
-              <a:t>11/23/20</a:t>
+              <a:t>1/7/21</a:t>
             </a:fld>
             <a:endParaRPr lang="en-US"/>
           </a:p>
@@ -6538,7 +6538,7 @@
           <a:p>
             <a:fld id="{3C04E684-10F4-4CC3-A0B9-F03AA7BE37CF}" type="datetimeFigureOut">
               <a:rPr lang="en-US" smtClean="0"/>
-              <a:t>11/23/20</a:t>
+              <a:t>1/7/21</a:t>
             </a:fld>
             <a:endParaRPr lang="en-US"/>
           </a:p>
@@ -7180,7 +7180,7 @@
           <a:p>
             <a:fld id="{3C04E684-10F4-4CC3-A0B9-F03AA7BE37CF}" type="datetimeFigureOut">
               <a:rPr lang="en-US" smtClean="0"/>
-              <a:t>11/23/20</a:t>
+              <a:t>1/7/21</a:t>
             </a:fld>
             <a:endParaRPr lang="en-US"/>
           </a:p>
@@ -7980,7 +7980,7 @@
           <a:p>
             <a:fld id="{3C04E684-10F4-4CC3-A0B9-F03AA7BE37CF}" type="datetimeFigureOut">
               <a:rPr lang="en-US" smtClean="0"/>
-              <a:t>11/23/20</a:t>
+              <a:t>1/7/21</a:t>
             </a:fld>
             <a:endParaRPr lang="en-US"/>
           </a:p>
@@ -8931,7 +8931,7 @@
           <a:p>
             <a:fld id="{3C04E684-10F4-4CC3-A0B9-F03AA7BE37CF}" type="datetimeFigureOut">
               <a:rPr lang="en-US" smtClean="0"/>
-              <a:t>11/23/20</a:t>
+              <a:t>1/7/21</a:t>
             </a:fld>
             <a:endParaRPr lang="en-US"/>
           </a:p>
@@ -11280,7 +11280,7 @@
           <a:p>
             <a:fld id="{3C04E684-10F4-4CC3-A0B9-F03AA7BE37CF}" type="datetimeFigureOut">
               <a:rPr lang="en-US" smtClean="0"/>
-              <a:t>11/23/20</a:t>
+              <a:t>1/7/21</a:t>
             </a:fld>
             <a:endParaRPr lang="en-US"/>
           </a:p>
@@ -11393,7 +11393,7 @@
           <a:p>
             <a:fld id="{3C04E684-10F4-4CC3-A0B9-F03AA7BE37CF}" type="datetimeFigureOut">
               <a:rPr lang="en-US" smtClean="0"/>
-              <a:t>11/23/20</a:t>
+              <a:t>1/7/21</a:t>
             </a:fld>
             <a:endParaRPr lang="en-US"/>
           </a:p>
@@ -11900,7 +11900,7 @@
           <a:p>
             <a:fld id="{3C04E684-10F4-4CC3-A0B9-F03AA7BE37CF}" type="datetimeFigureOut">
               <a:rPr lang="en-US" smtClean="0"/>
-              <a:t>11/23/20</a:t>
+              <a:t>1/7/21</a:t>
             </a:fld>
             <a:endParaRPr lang="en-US"/>
           </a:p>
@@ -13203,7 +13203,7 @@
           <a:p>
             <a:fld id="{3C04E684-10F4-4CC3-A0B9-F03AA7BE37CF}" type="datetimeFigureOut">
               <a:rPr lang="en-US" smtClean="0"/>
-              <a:t>11/23/20</a:t>
+              <a:t>1/7/21</a:t>
             </a:fld>
             <a:endParaRPr lang="en-US"/>
           </a:p>
@@ -13450,7 +13450,7 @@
           <a:p>
             <a:fld id="{3C04E684-10F4-4CC3-A0B9-F03AA7BE37CF}" type="datetimeFigureOut">
               <a:rPr lang="en-US" smtClean="0"/>
-              <a:t>11/23/20</a:t>
+              <a:t>1/7/21</a:t>
             </a:fld>
             <a:endParaRPr lang="en-US"/>
           </a:p>
@@ -14831,9 +14831,10 @@
           <a:lstStyle/>
           <a:p>
             <a:r>
-              <a:rPr lang="en-GB" dirty="0"/>
-              <a:t>Proposed Plan</a:t>
+              <a:rPr lang="en-GB"/>
+              <a:t>Schedule</a:t>
             </a:r>
+            <a:endParaRPr lang="en-GB" dirty="0"/>
           </a:p>
         </p:txBody>
       </p:sp>
